--- a/docs/Project-final.pptx
+++ b/docs/Project-final.pptx
@@ -11,8 +11,9 @@
     <p:sldId id="258" r:id="rId5"/>
     <p:sldId id="260" r:id="rId6"/>
     <p:sldId id="261" r:id="rId7"/>
-    <p:sldId id="262" r:id="rId8"/>
-    <p:sldId id="263" r:id="rId9"/>
+    <p:sldId id="264" r:id="rId8"/>
+    <p:sldId id="262" r:id="rId9"/>
+    <p:sldId id="263" r:id="rId10"/>
   </p:sldIdLst>
   <p:sldSz cx="12192000" cy="6858000"/>
   <p:notesSz cx="6858000" cy="9144000"/>
@@ -111,6 +112,11 @@
       </a:defRPr>
     </a:lvl9pPr>
   </p:defaultTextStyle>
+  <p:extLst>
+    <p:ext uri="{EFAFB233-063F-42B5-8137-9DF3F51BA10A}">
+      <p15:sldGuideLst xmlns:p15="http://schemas.microsoft.com/office/powerpoint/2012/main"/>
+    </p:ext>
+  </p:extLst>
 </p:presentation>
 </file>
 
@@ -7950,16 +7956,17 @@
         </p:nvSpPr>
         <p:spPr>
           <a:xfrm>
-            <a:off x="677334" y="176981"/>
-            <a:ext cx="8596668" cy="1753419"/>
+            <a:off x="677334" y="103239"/>
+            <a:ext cx="8596668" cy="1827161"/>
           </a:xfrm>
         </p:spPr>
         <p:txBody>
           <a:bodyPr>
-            <a:normAutofit fontScale="90000"/>
+            <a:normAutofit/>
           </a:bodyPr>
           <a:lstStyle/>
           <a:p>
+            <a:pPr algn="just"/>
             <a:r>
               <a:rPr lang="en-US">
                 <a:solidFill>
@@ -7968,7 +7975,288 @@
                 <a:latin typeface="Times New Roman" panose="02020603050405020304" pitchFamily="18" charset="0"/>
                 <a:cs typeface="Times New Roman" panose="02020603050405020304" pitchFamily="18" charset="0"/>
               </a:rPr>
-              <a:t>Sau khi đã làm xong phần việc của mình, các thành viên sẽ commit và pull request lên để tr</a:t>
+              <a:t>Các code đ</a:t>
+            </a:r>
+            <a:r>
+              <a:rPr lang="vi-VN">
+                <a:solidFill>
+                  <a:schemeClr val="tx1"/>
+                </a:solidFill>
+                <a:latin typeface="Times New Roman" panose="02020603050405020304" pitchFamily="18" charset="0"/>
+                <a:cs typeface="Times New Roman" panose="02020603050405020304" pitchFamily="18" charset="0"/>
+              </a:rPr>
+              <a:t>ư</a:t>
+            </a:r>
+            <a:r>
+              <a:rPr lang="en-US">
+                <a:solidFill>
+                  <a:schemeClr val="tx1"/>
+                </a:solidFill>
+                <a:latin typeface="Times New Roman" panose="02020603050405020304" pitchFamily="18" charset="0"/>
+                <a:cs typeface="Times New Roman" panose="02020603050405020304" pitchFamily="18" charset="0"/>
+              </a:rPr>
+              <a:t>ợc thay đổi sẽ đ</a:t>
+            </a:r>
+            <a:r>
+              <a:rPr lang="vi-VN">
+                <a:solidFill>
+                  <a:schemeClr val="tx1"/>
+                </a:solidFill>
+                <a:latin typeface="Times New Roman" panose="02020603050405020304" pitchFamily="18" charset="0"/>
+                <a:cs typeface="Times New Roman" panose="02020603050405020304" pitchFamily="18" charset="0"/>
+              </a:rPr>
+              <a:t>ư</a:t>
+            </a:r>
+            <a:r>
+              <a:rPr lang="en-US">
+                <a:solidFill>
+                  <a:schemeClr val="tx1"/>
+                </a:solidFill>
+                <a:latin typeface="Times New Roman" panose="02020603050405020304" pitchFamily="18" charset="0"/>
+                <a:cs typeface="Times New Roman" panose="02020603050405020304" pitchFamily="18" charset="0"/>
+              </a:rPr>
+              <a:t>ợc thông báo và sau đó ng</a:t>
+            </a:r>
+            <a:r>
+              <a:rPr lang="vi-VN">
+                <a:solidFill>
+                  <a:schemeClr val="tx1"/>
+                </a:solidFill>
+                <a:latin typeface="Times New Roman" panose="02020603050405020304" pitchFamily="18" charset="0"/>
+                <a:cs typeface="Times New Roman" panose="02020603050405020304" pitchFamily="18" charset="0"/>
+              </a:rPr>
+              <a:t>ư</a:t>
+            </a:r>
+            <a:r>
+              <a:rPr lang="en-US">
+                <a:solidFill>
+                  <a:schemeClr val="tx1"/>
+                </a:solidFill>
+                <a:latin typeface="Times New Roman" panose="02020603050405020304" pitchFamily="18" charset="0"/>
+                <a:cs typeface="Times New Roman" panose="02020603050405020304" pitchFamily="18" charset="0"/>
+              </a:rPr>
+              <a:t>ời dung có thể commit code đó lên branch của mình</a:t>
+            </a:r>
+          </a:p>
+        </p:txBody>
+      </p:sp>
+      <p:pic>
+        <p:nvPicPr>
+          <p:cNvPr id="4" name="Content Placeholder 3"/>
+          <p:cNvPicPr>
+            <a:picLocks noGrp="1" noChangeAspect="1"/>
+          </p:cNvPicPr>
+          <p:nvPr>
+            <p:ph idx="1"/>
+          </p:nvPr>
+        </p:nvPicPr>
+        <p:blipFill rotWithShape="1">
+          <a:blip r:embed="rId2"/>
+          <a:srcRect l="8741" t="5131" r="1987" b="10135"/>
+          <a:stretch/>
+        </p:blipFill>
+        <p:spPr>
+          <a:xfrm>
+            <a:off x="677334" y="2079522"/>
+            <a:ext cx="8596668" cy="4296461"/>
+          </a:xfrm>
+          <a:prstGeom prst="rect">
+            <a:avLst/>
+          </a:prstGeom>
+        </p:spPr>
+      </p:pic>
+    </p:spTree>
+    <p:extLst>
+      <p:ext uri="{BB962C8B-B14F-4D97-AF65-F5344CB8AC3E}">
+        <p14:creationId xmlns:p14="http://schemas.microsoft.com/office/powerpoint/2010/main" val="3375784329"/>
+      </p:ext>
+    </p:extLst>
+  </p:cSld>
+  <p:clrMapOvr>
+    <a:masterClrMapping/>
+  </p:clrMapOvr>
+  <p:timing>
+    <p:tnLst>
+      <p:par>
+        <p:cTn id="1" dur="indefinite" restart="never" nodeType="tmRoot">
+          <p:childTnLst>
+            <p:seq concurrent="1" nextAc="seek">
+              <p:cTn id="2" dur="indefinite" nodeType="mainSeq">
+                <p:childTnLst>
+                  <p:par>
+                    <p:cTn id="3" fill="hold">
+                      <p:stCondLst>
+                        <p:cond delay="indefinite"/>
+                      </p:stCondLst>
+                      <p:childTnLst>
+                        <p:par>
+                          <p:cTn id="4" fill="hold">
+                            <p:stCondLst>
+                              <p:cond delay="0"/>
+                            </p:stCondLst>
+                            <p:childTnLst>
+                              <p:par>
+                                <p:cTn id="5" presetID="1" presetClass="entr" presetSubtype="0" fill="hold" grpId="0" nodeType="clickEffect">
+                                  <p:stCondLst>
+                                    <p:cond delay="0"/>
+                                  </p:stCondLst>
+                                  <p:childTnLst>
+                                    <p:set>
+                                      <p:cBhvr>
+                                        <p:cTn id="6" dur="1" fill="hold">
+                                          <p:stCondLst>
+                                            <p:cond delay="0"/>
+                                          </p:stCondLst>
+                                        </p:cTn>
+                                        <p:tgtEl>
+                                          <p:spTgt spid="2"/>
+                                        </p:tgtEl>
+                                        <p:attrNameLst>
+                                          <p:attrName>style.visibility</p:attrName>
+                                        </p:attrNameLst>
+                                      </p:cBhvr>
+                                      <p:to>
+                                        <p:strVal val="visible"/>
+                                      </p:to>
+                                    </p:set>
+                                  </p:childTnLst>
+                                </p:cTn>
+                              </p:par>
+                            </p:childTnLst>
+                          </p:cTn>
+                        </p:par>
+                      </p:childTnLst>
+                    </p:cTn>
+                  </p:par>
+                  <p:par>
+                    <p:cTn id="7" fill="hold">
+                      <p:stCondLst>
+                        <p:cond delay="indefinite"/>
+                      </p:stCondLst>
+                      <p:childTnLst>
+                        <p:par>
+                          <p:cTn id="8" fill="hold">
+                            <p:stCondLst>
+                              <p:cond delay="0"/>
+                            </p:stCondLst>
+                            <p:childTnLst>
+                              <p:par>
+                                <p:cTn id="9" presetID="10" presetClass="entr" presetSubtype="0" fill="hold" nodeType="clickEffect">
+                                  <p:stCondLst>
+                                    <p:cond delay="0"/>
+                                  </p:stCondLst>
+                                  <p:childTnLst>
+                                    <p:set>
+                                      <p:cBhvr>
+                                        <p:cTn id="10" dur="1" fill="hold">
+                                          <p:stCondLst>
+                                            <p:cond delay="0"/>
+                                          </p:stCondLst>
+                                        </p:cTn>
+                                        <p:tgtEl>
+                                          <p:spTgt spid="4"/>
+                                        </p:tgtEl>
+                                        <p:attrNameLst>
+                                          <p:attrName>style.visibility</p:attrName>
+                                        </p:attrNameLst>
+                                      </p:cBhvr>
+                                      <p:to>
+                                        <p:strVal val="visible"/>
+                                      </p:to>
+                                    </p:set>
+                                    <p:animEffect transition="in" filter="fade">
+                                      <p:cBhvr>
+                                        <p:cTn id="11" dur="500"/>
+                                        <p:tgtEl>
+                                          <p:spTgt spid="4"/>
+                                        </p:tgtEl>
+                                      </p:cBhvr>
+                                    </p:animEffect>
+                                  </p:childTnLst>
+                                </p:cTn>
+                              </p:par>
+                            </p:childTnLst>
+                          </p:cTn>
+                        </p:par>
+                      </p:childTnLst>
+                    </p:cTn>
+                  </p:par>
+                </p:childTnLst>
+              </p:cTn>
+              <p:prevCondLst>
+                <p:cond evt="onPrev" delay="0">
+                  <p:tgtEl>
+                    <p:sldTgt/>
+                  </p:tgtEl>
+                </p:cond>
+              </p:prevCondLst>
+              <p:nextCondLst>
+                <p:cond evt="onNext" delay="0">
+                  <p:tgtEl>
+                    <p:sldTgt/>
+                  </p:tgtEl>
+                </p:cond>
+              </p:nextCondLst>
+            </p:seq>
+          </p:childTnLst>
+        </p:cTn>
+      </p:par>
+    </p:tnLst>
+    <p:bldLst>
+      <p:bldP spid="2" grpId="0"/>
+    </p:bldLst>
+  </p:timing>
+</p:sld>
+</file>
+
+<file path=ppt/slides/slide8.xml><?xml version="1.0" encoding="utf-8"?>
+<p:sld xmlns:a="http://schemas.openxmlformats.org/drawingml/2006/main" xmlns:r="http://schemas.openxmlformats.org/officeDocument/2006/relationships" xmlns:p="http://schemas.openxmlformats.org/presentationml/2006/main">
+  <p:cSld>
+    <p:spTree>
+      <p:nvGrpSpPr>
+        <p:cNvPr id="1" name=""/>
+        <p:cNvGrpSpPr/>
+        <p:nvPr/>
+      </p:nvGrpSpPr>
+      <p:grpSpPr>
+        <a:xfrm>
+          <a:off x="0" y="0"/>
+          <a:ext cx="0" cy="0"/>
+          <a:chOff x="0" y="0"/>
+          <a:chExt cx="0" cy="0"/>
+        </a:xfrm>
+      </p:grpSpPr>
+      <p:sp>
+        <p:nvSpPr>
+          <p:cNvPr id="2" name="Title 1"/>
+          <p:cNvSpPr>
+            <a:spLocks noGrp="1"/>
+          </p:cNvSpPr>
+          <p:nvPr>
+            <p:ph type="title"/>
+          </p:nvPr>
+        </p:nvSpPr>
+        <p:spPr>
+          <a:xfrm>
+            <a:off x="677334" y="176981"/>
+            <a:ext cx="8596668" cy="1753419"/>
+          </a:xfrm>
+        </p:spPr>
+        <p:txBody>
+          <a:bodyPr>
+            <a:normAutofit fontScale="90000"/>
+          </a:bodyPr>
+          <a:lstStyle/>
+          <a:p>
+            <a:r>
+              <a:rPr lang="en-US">
+                <a:solidFill>
+                  <a:schemeClr val="tx1"/>
+                </a:solidFill>
+                <a:latin typeface="Times New Roman" panose="02020603050405020304" pitchFamily="18" charset="0"/>
+                <a:cs typeface="Times New Roman" panose="02020603050405020304" pitchFamily="18" charset="0"/>
+              </a:rPr>
+              <a:t>Sau khi đã commit, các thành viên sẽ pull request lên để tr</a:t>
             </a:r>
             <a:r>
               <a:rPr lang="vi-VN">
@@ -8172,7 +8460,7 @@
 </p:sld>
 </file>
 
-<file path=ppt/slides/slide8.xml><?xml version="1.0" encoding="utf-8"?>
+<file path=ppt/slides/slide9.xml><?xml version="1.0" encoding="utf-8"?>
 <p:sld xmlns:a="http://schemas.openxmlformats.org/drawingml/2006/main" xmlns:r="http://schemas.openxmlformats.org/officeDocument/2006/relationships" xmlns:p="http://schemas.openxmlformats.org/presentationml/2006/main">
   <p:cSld>
     <p:spTree>
